--- a/מפגש ראשון.pptx
+++ b/מפגש ראשון.pptx
@@ -3504,8 +3504,8 @@
           </a:p>
         </p:txBody>
       </p:sp>
-      <mc:AlternateContent xmlns:mc="http://schemas.openxmlformats.org/markup-compatibility/2006">
-        <mc:Choice xmlns:a14="http://schemas.microsoft.com/office/drawing/2010/main" Requires="a14">
+      <mc:AlternateContent xmlns:mc="http://schemas.openxmlformats.org/markup-compatibility/2006" xmlns:a14="http://schemas.microsoft.com/office/drawing/2010/main">
+        <mc:Choice Requires="a14">
           <p:sp>
             <p:nvSpPr>
               <p:cNvPr id="3" name="Content Placeholder 2">
@@ -3705,7 +3705,7 @@
             </p:txBody>
           </p:sp>
         </mc:Choice>
-        <mc:Fallback>
+        <mc:Fallback xmlns="">
           <p:sp>
             <p:nvSpPr>
               <p:cNvPr id="3" name="Content Placeholder 2">
@@ -3911,7 +3911,7 @@
             <a:pPr algn="ctr" rtl="1"/>
             <a:r>
               <a:rPr lang="he-IL" dirty="0"/>
-              <a:t>דוגמאות לשימושים</a:t>
+              <a:t>דוגמה לשימוש בתחום הראייה הממוחשבת</a:t>
             </a:r>
             <a:endParaRPr lang="en-IL" dirty="0"/>
           </a:p>
@@ -3938,7 +3938,85 @@
           <a:bodyPr/>
           <a:lstStyle/>
           <a:p>
-            <a:endParaRPr lang="en-IL"/>
+            <a:pPr marL="0" indent="0" algn="ctr" rtl="1">
+              <a:buNone/>
+            </a:pPr>
+            <a:r>
+              <a:rPr lang="en-US" sz="3600" u="sng" dirty="0"/>
+              <a:t>Template Matching</a:t>
+            </a:r>
+          </a:p>
+          <a:p>
+            <a:pPr marL="0" indent="0" algn="r" rtl="1">
+              <a:buNone/>
+            </a:pPr>
+            <a:r>
+              <a:rPr lang="he-IL" dirty="0"/>
+              <a:t>התאמה של תבנית בתוך תמונה מוערכת בפונקציית שגיאה כגון </a:t>
+            </a:r>
+            <a:r>
+              <a:rPr lang="en-US" dirty="0"/>
+              <a:t>sum-of-square-difference</a:t>
+            </a:r>
+            <a:r>
+              <a:rPr lang="he-IL" dirty="0"/>
+              <a:t>.</a:t>
+            </a:r>
+          </a:p>
+          <a:p>
+            <a:pPr marL="0" indent="0" algn="r" rtl="1">
+              <a:buNone/>
+            </a:pPr>
+            <a:r>
+              <a:rPr lang="he-IL" dirty="0"/>
+              <a:t>התבנית אותה אנו מחפשים בתמונה יכולה להיות בכל מקום בתמונה, מוקטנת/מוגדלת, מסובבת </a:t>
+            </a:r>
+            <a:r>
+              <a:rPr lang="he-IL" dirty="0" err="1"/>
+              <a:t>ואפינית</a:t>
+            </a:r>
+            <a:r>
+              <a:rPr lang="he-IL" dirty="0"/>
+              <a:t> (</a:t>
+            </a:r>
+            <a:r>
+              <a:rPr lang="en-US" dirty="0"/>
+              <a:t>affined</a:t>
+            </a:r>
+            <a:r>
+              <a:rPr lang="he-IL" dirty="0"/>
+              <a:t>). מכאן</a:t>
+            </a:r>
+            <a:r>
+              <a:rPr lang="en-US" dirty="0"/>
+              <a:t> </a:t>
+            </a:r>
+            <a:r>
+              <a:rPr lang="he-IL" dirty="0"/>
+              <a:t>כמות הטרנספורמציות שיש לקחת בחשבון היא עצומה והחסם התחתון בכל תת מרחב פתרונות משתנה בהתאם לפרמטרים ולפונקציית השגיאה.</a:t>
+            </a:r>
+          </a:p>
+          <a:p>
+            <a:pPr marL="0" indent="0" algn="r" rtl="1">
+              <a:buNone/>
+            </a:pPr>
+            <a:r>
+              <a:rPr lang="he-IL" dirty="0"/>
+              <a:t>לפיכך, שימוש ב- </a:t>
+            </a:r>
+            <a:r>
+              <a:rPr lang="en-US" dirty="0"/>
+              <a:t>deep learning</a:t>
+            </a:r>
+            <a:r>
+              <a:rPr lang="he-IL" dirty="0"/>
+              <a:t> לקביעת החסם בדוגמה זו עשויה לשפר משמעותית את </a:t>
+            </a:r>
+            <a:r>
+              <a:rPr lang="he-IL"/>
+              <a:t>איכות האלגוריתם.</a:t>
+            </a:r>
+            <a:endParaRPr lang="en-IL" dirty="0"/>
           </a:p>
         </p:txBody>
       </p:sp>

--- a/מפגש ראשון.pptx
+++ b/מפגש ראשון.pptx
@@ -4010,11 +4010,7 @@
             </a:r>
             <a:r>
               <a:rPr lang="he-IL" dirty="0"/>
-              <a:t> לקביעת החסם בדוגמה זו עשויה לשפר משמעותית את </a:t>
-            </a:r>
-            <a:r>
-              <a:rPr lang="he-IL"/>
-              <a:t>איכות האלגוריתם.</a:t>
+              <a:t> לקביעת החסם בדוגמה זו עשויה לשפר משמעותית את איכות האלגוריתם.</a:t>
             </a:r>
             <a:endParaRPr lang="en-IL" dirty="0"/>
           </a:p>
@@ -4098,10 +4094,130 @@
         </p:nvSpPr>
         <p:spPr/>
         <p:txBody>
-          <a:bodyPr/>
-          <a:lstStyle/>
-          <a:p>
-            <a:endParaRPr lang="en-IL"/>
+          <a:bodyPr>
+            <a:normAutofit fontScale="70000" lnSpcReduction="20000"/>
+          </a:bodyPr>
+          <a:lstStyle/>
+          <a:p>
+            <a:pPr marL="0" indent="0">
+              <a:buNone/>
+            </a:pPr>
+            <a:r>
+              <a:rPr lang="en-US" dirty="0"/>
+              <a:t>Read the article and discuss, Learn the code in </a:t>
+            </a:r>
+            <a:r>
+              <a:rPr lang="en-US" dirty="0" err="1"/>
+              <a:t>matlab</a:t>
+            </a:r>
+            <a:r>
+              <a:rPr lang="en-US" dirty="0"/>
+              <a:t>/</a:t>
+            </a:r>
+            <a:r>
+              <a:rPr lang="en-US" dirty="0" err="1"/>
+              <a:t>c++</a:t>
+            </a:r>
+            <a:endParaRPr lang="en-US" dirty="0"/>
+          </a:p>
+          <a:p>
+            <a:pPr marL="0" indent="0">
+              <a:buNone/>
+            </a:pPr>
+            <a:r>
+              <a:rPr lang="en-US" dirty="0"/>
+              <a:t>3 – 4 weeks</a:t>
+            </a:r>
+          </a:p>
+          <a:p>
+            <a:pPr marL="0" indent="0">
+              <a:buNone/>
+            </a:pPr>
+            <a:endParaRPr lang="en-US" dirty="0"/>
+          </a:p>
+          <a:p>
+            <a:pPr marL="0" indent="0">
+              <a:buNone/>
+            </a:pPr>
+            <a:r>
+              <a:rPr lang="en-US" dirty="0"/>
+              <a:t>Set a meeting with </a:t>
+            </a:r>
+            <a:r>
+              <a:rPr lang="en-US" dirty="0" err="1"/>
+              <a:t>simon</a:t>
+            </a:r>
+            <a:r>
+              <a:rPr lang="en-US" dirty="0"/>
+              <a:t> to ask questions</a:t>
+            </a:r>
+          </a:p>
+          <a:p>
+            <a:pPr marL="0" indent="0">
+              <a:buNone/>
+            </a:pPr>
+            <a:endParaRPr lang="en-US" dirty="0"/>
+          </a:p>
+          <a:p>
+            <a:pPr marL="0" indent="0">
+              <a:buNone/>
+            </a:pPr>
+            <a:r>
+              <a:rPr lang="en-US" dirty="0"/>
+              <a:t>Implement the code in python, readable, accessible, including the examples in the paper</a:t>
+            </a:r>
+          </a:p>
+          <a:p>
+            <a:pPr marL="0" indent="0">
+              <a:buNone/>
+            </a:pPr>
+            <a:r>
+              <a:rPr lang="en-US" dirty="0"/>
+              <a:t>Month</a:t>
+            </a:r>
+          </a:p>
+          <a:p>
+            <a:pPr marL="0" indent="0">
+              <a:buNone/>
+            </a:pPr>
+            <a:endParaRPr lang="en-US" dirty="0"/>
+          </a:p>
+          <a:p>
+            <a:pPr marL="0" indent="0">
+              <a:buNone/>
+            </a:pPr>
+            <a:r>
+              <a:rPr lang="en-US" dirty="0"/>
+              <a:t>Creating the idea of the neural network, learning relevant deep learning system for this task</a:t>
+            </a:r>
+          </a:p>
+          <a:p>
+            <a:pPr marL="0" indent="0">
+              <a:buNone/>
+            </a:pPr>
+            <a:r>
+              <a:rPr lang="en-US" dirty="0"/>
+              <a:t>couple of weeks</a:t>
+            </a:r>
+          </a:p>
+          <a:p>
+            <a:pPr marL="0" indent="0">
+              <a:buNone/>
+            </a:pPr>
+            <a:r>
+              <a:rPr lang="en-US" dirty="0"/>
+              <a:t>Implementation, testing, results</a:t>
+            </a:r>
+          </a:p>
+          <a:p>
+            <a:pPr marL="0" indent="0">
+              <a:buNone/>
+            </a:pPr>
+            <a:r>
+              <a:rPr lang="en-US" dirty="0"/>
+              <a:t>3 to 4 month</a:t>
+            </a:r>
+            <a:endParaRPr lang="en-IL" dirty="0"/>
           </a:p>
         </p:txBody>
       </p:sp>

--- a/מפגש ראשון.pptx
+++ b/מפגש ראשון.pptx
@@ -4,6 +4,9 @@
   <p:sldMasterIdLst>
     <p:sldMasterId id="2147483648" r:id="rId1"/>
   </p:sldMasterIdLst>
+  <p:notesMasterIdLst>
+    <p:notesMasterId r:id="rId7"/>
+  </p:notesMasterIdLst>
   <p:sldIdLst>
     <p:sldId id="256" r:id="rId2"/>
     <p:sldId id="257" r:id="rId3"/>
@@ -116,6 +119,439 @@
 </p:presentation>
 </file>
 
+<file path=ppt/notesMasters/notesMaster1.xml><?xml version="1.0" encoding="utf-8"?>
+<p:notesMaster xmlns:a="http://schemas.openxmlformats.org/drawingml/2006/main" xmlns:r="http://schemas.openxmlformats.org/officeDocument/2006/relationships" xmlns:p="http://schemas.openxmlformats.org/presentationml/2006/main">
+  <p:cSld>
+    <p:bg>
+      <p:bgRef idx="1001">
+        <a:schemeClr val="bg1"/>
+      </p:bgRef>
+    </p:bg>
+    <p:spTree>
+      <p:nvGrpSpPr>
+        <p:cNvPr id="1" name=""/>
+        <p:cNvGrpSpPr/>
+        <p:nvPr/>
+      </p:nvGrpSpPr>
+      <p:grpSpPr>
+        <a:xfrm>
+          <a:off x="0" y="0"/>
+          <a:ext cx="0" cy="0"/>
+          <a:chOff x="0" y="0"/>
+          <a:chExt cx="0" cy="0"/>
+        </a:xfrm>
+      </p:grpSpPr>
+      <p:sp>
+        <p:nvSpPr>
+          <p:cNvPr id="2" name="מציין מיקום של כותרת עליונה 1"/>
+          <p:cNvSpPr>
+            <a:spLocks noGrp="1"/>
+          </p:cNvSpPr>
+          <p:nvPr>
+            <p:ph type="hdr" sz="quarter"/>
+          </p:nvPr>
+        </p:nvSpPr>
+        <p:spPr>
+          <a:xfrm>
+            <a:off x="3886200" y="0"/>
+            <a:ext cx="2971800" cy="458788"/>
+          </a:xfrm>
+          <a:prstGeom prst="rect">
+            <a:avLst/>
+          </a:prstGeom>
+        </p:spPr>
+        <p:txBody>
+          <a:bodyPr vert="horz" lIns="91440" tIns="45720" rIns="91440" bIns="45720" rtlCol="1"/>
+          <a:lstStyle>
+            <a:lvl1pPr algn="r">
+              <a:defRPr sz="1200"/>
+            </a:lvl1pPr>
+          </a:lstStyle>
+          <a:p>
+            <a:endParaRPr lang="he-IL"/>
+          </a:p>
+        </p:txBody>
+      </p:sp>
+      <p:sp>
+        <p:nvSpPr>
+          <p:cNvPr id="3" name="מציין מיקום של תאריך 2"/>
+          <p:cNvSpPr>
+            <a:spLocks noGrp="1"/>
+          </p:cNvSpPr>
+          <p:nvPr>
+            <p:ph type="dt" idx="1"/>
+          </p:nvPr>
+        </p:nvSpPr>
+        <p:spPr>
+          <a:xfrm>
+            <a:off x="1588" y="0"/>
+            <a:ext cx="2971800" cy="458788"/>
+          </a:xfrm>
+          <a:prstGeom prst="rect">
+            <a:avLst/>
+          </a:prstGeom>
+        </p:spPr>
+        <p:txBody>
+          <a:bodyPr vert="horz" lIns="91440" tIns="45720" rIns="91440" bIns="45720" rtlCol="1"/>
+          <a:lstStyle>
+            <a:lvl1pPr algn="l">
+              <a:defRPr sz="1200"/>
+            </a:lvl1pPr>
+          </a:lstStyle>
+          <a:p>
+            <a:fld id="{F736A0E9-A958-4F50-A4A0-BD5FED897F5E}" type="datetimeFigureOut">
+              <a:rPr lang="he-IL" smtClean="0"/>
+              <a:t>י"ז/כסלו/תשפ"ב</a:t>
+            </a:fld>
+            <a:endParaRPr lang="he-IL"/>
+          </a:p>
+        </p:txBody>
+      </p:sp>
+      <p:sp>
+        <p:nvSpPr>
+          <p:cNvPr id="4" name="מציין מיקום של תמונת שקופית 3"/>
+          <p:cNvSpPr>
+            <a:spLocks noGrp="1" noRot="1" noChangeAspect="1"/>
+          </p:cNvSpPr>
+          <p:nvPr>
+            <p:ph type="sldImg" idx="2"/>
+          </p:nvPr>
+        </p:nvSpPr>
+        <p:spPr>
+          <a:xfrm>
+            <a:off x="685800" y="1143000"/>
+            <a:ext cx="5486400" cy="3086100"/>
+          </a:xfrm>
+          <a:prstGeom prst="rect">
+            <a:avLst/>
+          </a:prstGeom>
+          <a:noFill/>
+          <a:ln w="12700">
+            <a:solidFill>
+              <a:prstClr val="black"/>
+            </a:solidFill>
+          </a:ln>
+        </p:spPr>
+        <p:txBody>
+          <a:bodyPr vert="horz" lIns="91440" tIns="45720" rIns="91440" bIns="45720" rtlCol="1" anchor="ctr"/>
+          <a:lstStyle/>
+          <a:p>
+            <a:endParaRPr lang="he-IL"/>
+          </a:p>
+        </p:txBody>
+      </p:sp>
+      <p:sp>
+        <p:nvSpPr>
+          <p:cNvPr id="5" name="מציין מיקום של הערות 4"/>
+          <p:cNvSpPr>
+            <a:spLocks noGrp="1"/>
+          </p:cNvSpPr>
+          <p:nvPr>
+            <p:ph type="body" sz="quarter" idx="3"/>
+          </p:nvPr>
+        </p:nvSpPr>
+        <p:spPr>
+          <a:xfrm>
+            <a:off x="685800" y="4400550"/>
+            <a:ext cx="5486400" cy="3600450"/>
+          </a:xfrm>
+          <a:prstGeom prst="rect">
+            <a:avLst/>
+          </a:prstGeom>
+        </p:spPr>
+        <p:txBody>
+          <a:bodyPr vert="horz" lIns="91440" tIns="45720" rIns="91440" bIns="45720" rtlCol="1"/>
+          <a:lstStyle/>
+          <a:p>
+            <a:pPr lvl="0"/>
+            <a:r>
+              <a:rPr lang="he-IL"/>
+              <a:t>לחץ כדי לערוך סגנונות טקסט של תבנית בסיס</a:t>
+            </a:r>
+          </a:p>
+          <a:p>
+            <a:pPr lvl="1"/>
+            <a:r>
+              <a:rPr lang="he-IL"/>
+              <a:t>רמה שנייה</a:t>
+            </a:r>
+          </a:p>
+          <a:p>
+            <a:pPr lvl="2"/>
+            <a:r>
+              <a:rPr lang="he-IL"/>
+              <a:t>רמה שלישית</a:t>
+            </a:r>
+          </a:p>
+          <a:p>
+            <a:pPr lvl="3"/>
+            <a:r>
+              <a:rPr lang="he-IL"/>
+              <a:t>רמה רביעית</a:t>
+            </a:r>
+          </a:p>
+          <a:p>
+            <a:pPr lvl="4"/>
+            <a:r>
+              <a:rPr lang="he-IL"/>
+              <a:t>רמה חמישית</a:t>
+            </a:r>
+          </a:p>
+        </p:txBody>
+      </p:sp>
+      <p:sp>
+        <p:nvSpPr>
+          <p:cNvPr id="6" name="מציין מיקום של כותרת תחתונה 5"/>
+          <p:cNvSpPr>
+            <a:spLocks noGrp="1"/>
+          </p:cNvSpPr>
+          <p:nvPr>
+            <p:ph type="ftr" sz="quarter" idx="4"/>
+          </p:nvPr>
+        </p:nvSpPr>
+        <p:spPr>
+          <a:xfrm>
+            <a:off x="3886200" y="8685213"/>
+            <a:ext cx="2971800" cy="458787"/>
+          </a:xfrm>
+          <a:prstGeom prst="rect">
+            <a:avLst/>
+          </a:prstGeom>
+        </p:spPr>
+        <p:txBody>
+          <a:bodyPr vert="horz" lIns="91440" tIns="45720" rIns="91440" bIns="45720" rtlCol="1" anchor="b"/>
+          <a:lstStyle>
+            <a:lvl1pPr algn="r">
+              <a:defRPr sz="1200"/>
+            </a:lvl1pPr>
+          </a:lstStyle>
+          <a:p>
+            <a:endParaRPr lang="he-IL"/>
+          </a:p>
+        </p:txBody>
+      </p:sp>
+      <p:sp>
+        <p:nvSpPr>
+          <p:cNvPr id="7" name="מציין מיקום של מספר שקופית 6"/>
+          <p:cNvSpPr>
+            <a:spLocks noGrp="1"/>
+          </p:cNvSpPr>
+          <p:nvPr>
+            <p:ph type="sldNum" sz="quarter" idx="5"/>
+          </p:nvPr>
+        </p:nvSpPr>
+        <p:spPr>
+          <a:xfrm>
+            <a:off x="1588" y="8685213"/>
+            <a:ext cx="2971800" cy="458787"/>
+          </a:xfrm>
+          <a:prstGeom prst="rect">
+            <a:avLst/>
+          </a:prstGeom>
+        </p:spPr>
+        <p:txBody>
+          <a:bodyPr vert="horz" lIns="91440" tIns="45720" rIns="91440" bIns="45720" rtlCol="1" anchor="b"/>
+          <a:lstStyle>
+            <a:lvl1pPr algn="l">
+              <a:defRPr sz="1200"/>
+            </a:lvl1pPr>
+          </a:lstStyle>
+          <a:p>
+            <a:fld id="{287F270B-542C-490C-83DA-64787F219BA7}" type="slidenum">
+              <a:rPr lang="he-IL" smtClean="0"/>
+              <a:t>‹#›</a:t>
+            </a:fld>
+            <a:endParaRPr lang="he-IL"/>
+          </a:p>
+        </p:txBody>
+      </p:sp>
+    </p:spTree>
+    <p:extLst>
+      <p:ext uri="{BB962C8B-B14F-4D97-AF65-F5344CB8AC3E}">
+        <p14:creationId xmlns:p14="http://schemas.microsoft.com/office/powerpoint/2010/main" val="1321690638"/>
+      </p:ext>
+    </p:extLst>
+  </p:cSld>
+  <p:clrMap bg1="lt1" tx1="dk1" bg2="lt2" tx2="dk2" accent1="accent1" accent2="accent2" accent3="accent3" accent4="accent4" accent5="accent5" accent6="accent6" hlink="hlink" folHlink="folHlink"/>
+  <p:notesStyle>
+    <a:lvl1pPr marL="0" algn="r" defTabSz="914400" rtl="1" eaLnBrk="1" latinLnBrk="0" hangingPunct="1">
+      <a:defRPr sz="1200" kern="1200">
+        <a:solidFill>
+          <a:schemeClr val="tx1"/>
+        </a:solidFill>
+        <a:latin typeface="+mn-lt"/>
+        <a:ea typeface="+mn-ea"/>
+        <a:cs typeface="+mn-cs"/>
+      </a:defRPr>
+    </a:lvl1pPr>
+    <a:lvl2pPr marL="457200" algn="r" defTabSz="914400" rtl="1" eaLnBrk="1" latinLnBrk="0" hangingPunct="1">
+      <a:defRPr sz="1200" kern="1200">
+        <a:solidFill>
+          <a:schemeClr val="tx1"/>
+        </a:solidFill>
+        <a:latin typeface="+mn-lt"/>
+        <a:ea typeface="+mn-ea"/>
+        <a:cs typeface="+mn-cs"/>
+      </a:defRPr>
+    </a:lvl2pPr>
+    <a:lvl3pPr marL="914400" algn="r" defTabSz="914400" rtl="1" eaLnBrk="1" latinLnBrk="0" hangingPunct="1">
+      <a:defRPr sz="1200" kern="1200">
+        <a:solidFill>
+          <a:schemeClr val="tx1"/>
+        </a:solidFill>
+        <a:latin typeface="+mn-lt"/>
+        <a:ea typeface="+mn-ea"/>
+        <a:cs typeface="+mn-cs"/>
+      </a:defRPr>
+    </a:lvl3pPr>
+    <a:lvl4pPr marL="1371600" algn="r" defTabSz="914400" rtl="1" eaLnBrk="1" latinLnBrk="0" hangingPunct="1">
+      <a:defRPr sz="1200" kern="1200">
+        <a:solidFill>
+          <a:schemeClr val="tx1"/>
+        </a:solidFill>
+        <a:latin typeface="+mn-lt"/>
+        <a:ea typeface="+mn-ea"/>
+        <a:cs typeface="+mn-cs"/>
+      </a:defRPr>
+    </a:lvl4pPr>
+    <a:lvl5pPr marL="1828800" algn="r" defTabSz="914400" rtl="1" eaLnBrk="1" latinLnBrk="0" hangingPunct="1">
+      <a:defRPr sz="1200" kern="1200">
+        <a:solidFill>
+          <a:schemeClr val="tx1"/>
+        </a:solidFill>
+        <a:latin typeface="+mn-lt"/>
+        <a:ea typeface="+mn-ea"/>
+        <a:cs typeface="+mn-cs"/>
+      </a:defRPr>
+    </a:lvl5pPr>
+    <a:lvl6pPr marL="2286000" algn="r" defTabSz="914400" rtl="1" eaLnBrk="1" latinLnBrk="0" hangingPunct="1">
+      <a:defRPr sz="1200" kern="1200">
+        <a:solidFill>
+          <a:schemeClr val="tx1"/>
+        </a:solidFill>
+        <a:latin typeface="+mn-lt"/>
+        <a:ea typeface="+mn-ea"/>
+        <a:cs typeface="+mn-cs"/>
+      </a:defRPr>
+    </a:lvl6pPr>
+    <a:lvl7pPr marL="2743200" algn="r" defTabSz="914400" rtl="1" eaLnBrk="1" latinLnBrk="0" hangingPunct="1">
+      <a:defRPr sz="1200" kern="1200">
+        <a:solidFill>
+          <a:schemeClr val="tx1"/>
+        </a:solidFill>
+        <a:latin typeface="+mn-lt"/>
+        <a:ea typeface="+mn-ea"/>
+        <a:cs typeface="+mn-cs"/>
+      </a:defRPr>
+    </a:lvl7pPr>
+    <a:lvl8pPr marL="3200400" algn="r" defTabSz="914400" rtl="1" eaLnBrk="1" latinLnBrk="0" hangingPunct="1">
+      <a:defRPr sz="1200" kern="1200">
+        <a:solidFill>
+          <a:schemeClr val="tx1"/>
+        </a:solidFill>
+        <a:latin typeface="+mn-lt"/>
+        <a:ea typeface="+mn-ea"/>
+        <a:cs typeface="+mn-cs"/>
+      </a:defRPr>
+    </a:lvl8pPr>
+    <a:lvl9pPr marL="3657600" algn="r" defTabSz="914400" rtl="1" eaLnBrk="1" latinLnBrk="0" hangingPunct="1">
+      <a:defRPr sz="1200" kern="1200">
+        <a:solidFill>
+          <a:schemeClr val="tx1"/>
+        </a:solidFill>
+        <a:latin typeface="+mn-lt"/>
+        <a:ea typeface="+mn-ea"/>
+        <a:cs typeface="+mn-cs"/>
+      </a:defRPr>
+    </a:lvl9pPr>
+  </p:notesStyle>
+</p:notesMaster>
+</file>
+
+<file path=ppt/notesSlides/notesSlide1.xml><?xml version="1.0" encoding="utf-8"?>
+<p:notes xmlns:a="http://schemas.openxmlformats.org/drawingml/2006/main" xmlns:r="http://schemas.openxmlformats.org/officeDocument/2006/relationships" xmlns:p="http://schemas.openxmlformats.org/presentationml/2006/main">
+  <p:cSld>
+    <p:spTree>
+      <p:nvGrpSpPr>
+        <p:cNvPr id="1" name=""/>
+        <p:cNvGrpSpPr/>
+        <p:nvPr/>
+      </p:nvGrpSpPr>
+      <p:grpSpPr>
+        <a:xfrm>
+          <a:off x="0" y="0"/>
+          <a:ext cx="0" cy="0"/>
+          <a:chOff x="0" y="0"/>
+          <a:chExt cx="0" cy="0"/>
+        </a:xfrm>
+      </p:grpSpPr>
+      <p:sp>
+        <p:nvSpPr>
+          <p:cNvPr id="2" name="מציין מיקום של תמונת שקופית 1"/>
+          <p:cNvSpPr>
+            <a:spLocks noGrp="1" noRot="1" noChangeAspect="1"/>
+          </p:cNvSpPr>
+          <p:nvPr>
+            <p:ph type="sldImg"/>
+          </p:nvPr>
+        </p:nvSpPr>
+        <p:spPr/>
+      </p:sp>
+      <p:sp>
+        <p:nvSpPr>
+          <p:cNvPr id="3" name="מציין מיקום של הערות 2"/>
+          <p:cNvSpPr>
+            <a:spLocks noGrp="1"/>
+          </p:cNvSpPr>
+          <p:nvPr>
+            <p:ph type="body" idx="1"/>
+          </p:nvPr>
+        </p:nvSpPr>
+        <p:spPr/>
+        <p:txBody>
+          <a:bodyPr/>
+          <a:lstStyle/>
+          <a:p>
+            <a:endParaRPr lang="he-IL" dirty="0"/>
+          </a:p>
+        </p:txBody>
+      </p:sp>
+      <p:sp>
+        <p:nvSpPr>
+          <p:cNvPr id="4" name="מציין מיקום של מספר שקופית 3"/>
+          <p:cNvSpPr>
+            <a:spLocks noGrp="1"/>
+          </p:cNvSpPr>
+          <p:nvPr>
+            <p:ph type="sldNum" sz="quarter" idx="5"/>
+          </p:nvPr>
+        </p:nvSpPr>
+        <p:spPr/>
+        <p:txBody>
+          <a:bodyPr/>
+          <a:lstStyle/>
+          <a:p>
+            <a:fld id="{287F270B-542C-490C-83DA-64787F219BA7}" type="slidenum">
+              <a:rPr lang="he-IL" smtClean="0"/>
+              <a:t>5</a:t>
+            </a:fld>
+            <a:endParaRPr lang="he-IL"/>
+          </a:p>
+        </p:txBody>
+      </p:sp>
+    </p:spTree>
+    <p:extLst>
+      <p:ext uri="{BB962C8B-B14F-4D97-AF65-F5344CB8AC3E}">
+        <p14:creationId xmlns:p14="http://schemas.microsoft.com/office/powerpoint/2010/main" val="3732520508"/>
+      </p:ext>
+    </p:extLst>
+  </p:cSld>
+  <p:clrMapOvr>
+    <a:masterClrMapping/>
+  </p:clrMapOvr>
+</p:notes>
+</file>
+
 <file path=ppt/slideLayouts/slideLayout1.xml><?xml version="1.0" encoding="utf-8"?>
 <p:sldLayout xmlns:a="http://schemas.openxmlformats.org/drawingml/2006/main" xmlns:r="http://schemas.openxmlformats.org/officeDocument/2006/relationships" xmlns:p="http://schemas.openxmlformats.org/presentationml/2006/main" type="title" preserve="1">
   <p:cSld name="Title Slide">
@@ -265,7 +701,7 @@
           <a:p>
             <a:fld id="{DAE672F7-6408-455E-B58A-00240CB3F696}" type="datetimeFigureOut">
               <a:rPr lang="en-IL" smtClean="0"/>
-              <a:t>18/11/2021</a:t>
+              <a:t>11/21/2021</a:t>
             </a:fld>
             <a:endParaRPr lang="en-IL"/>
           </a:p>
@@ -465,7 +901,7 @@
           <a:p>
             <a:fld id="{DAE672F7-6408-455E-B58A-00240CB3F696}" type="datetimeFigureOut">
               <a:rPr lang="en-IL" smtClean="0"/>
-              <a:t>18/11/2021</a:t>
+              <a:t>11/21/2021</a:t>
             </a:fld>
             <a:endParaRPr lang="en-IL"/>
           </a:p>
@@ -675,7 +1111,7 @@
           <a:p>
             <a:fld id="{DAE672F7-6408-455E-B58A-00240CB3F696}" type="datetimeFigureOut">
               <a:rPr lang="en-IL" smtClean="0"/>
-              <a:t>18/11/2021</a:t>
+              <a:t>11/21/2021</a:t>
             </a:fld>
             <a:endParaRPr lang="en-IL"/>
           </a:p>
@@ -875,7 +1311,7 @@
           <a:p>
             <a:fld id="{DAE672F7-6408-455E-B58A-00240CB3F696}" type="datetimeFigureOut">
               <a:rPr lang="en-IL" smtClean="0"/>
-              <a:t>18/11/2021</a:t>
+              <a:t>11/21/2021</a:t>
             </a:fld>
             <a:endParaRPr lang="en-IL"/>
           </a:p>
@@ -1151,7 +1587,7 @@
           <a:p>
             <a:fld id="{DAE672F7-6408-455E-B58A-00240CB3F696}" type="datetimeFigureOut">
               <a:rPr lang="en-IL" smtClean="0"/>
-              <a:t>18/11/2021</a:t>
+              <a:t>11/21/2021</a:t>
             </a:fld>
             <a:endParaRPr lang="en-IL"/>
           </a:p>
@@ -1419,7 +1855,7 @@
           <a:p>
             <a:fld id="{DAE672F7-6408-455E-B58A-00240CB3F696}" type="datetimeFigureOut">
               <a:rPr lang="en-IL" smtClean="0"/>
-              <a:t>18/11/2021</a:t>
+              <a:t>11/21/2021</a:t>
             </a:fld>
             <a:endParaRPr lang="en-IL"/>
           </a:p>
@@ -1834,7 +2270,7 @@
           <a:p>
             <a:fld id="{DAE672F7-6408-455E-B58A-00240CB3F696}" type="datetimeFigureOut">
               <a:rPr lang="en-IL" smtClean="0"/>
-              <a:t>18/11/2021</a:t>
+              <a:t>11/21/2021</a:t>
             </a:fld>
             <a:endParaRPr lang="en-IL"/>
           </a:p>
@@ -1976,7 +2412,7 @@
           <a:p>
             <a:fld id="{DAE672F7-6408-455E-B58A-00240CB3F696}" type="datetimeFigureOut">
               <a:rPr lang="en-IL" smtClean="0"/>
-              <a:t>18/11/2021</a:t>
+              <a:t>11/21/2021</a:t>
             </a:fld>
             <a:endParaRPr lang="en-IL"/>
           </a:p>
@@ -2089,7 +2525,7 @@
           <a:p>
             <a:fld id="{DAE672F7-6408-455E-B58A-00240CB3F696}" type="datetimeFigureOut">
               <a:rPr lang="en-IL" smtClean="0"/>
-              <a:t>18/11/2021</a:t>
+              <a:t>11/21/2021</a:t>
             </a:fld>
             <a:endParaRPr lang="en-IL"/>
           </a:p>
@@ -2402,7 +2838,7 @@
           <a:p>
             <a:fld id="{DAE672F7-6408-455E-B58A-00240CB3F696}" type="datetimeFigureOut">
               <a:rPr lang="en-IL" smtClean="0"/>
-              <a:t>18/11/2021</a:t>
+              <a:t>11/21/2021</a:t>
             </a:fld>
             <a:endParaRPr lang="en-IL"/>
           </a:p>
@@ -2691,7 +3127,7 @@
           <a:p>
             <a:fld id="{DAE672F7-6408-455E-B58A-00240CB3F696}" type="datetimeFigureOut">
               <a:rPr lang="en-IL" smtClean="0"/>
-              <a:t>18/11/2021</a:t>
+              <a:t>11/21/2021</a:t>
             </a:fld>
             <a:endParaRPr lang="en-IL"/>
           </a:p>
@@ -2934,7 +3370,7 @@
           <a:p>
             <a:fld id="{DAE672F7-6408-455E-B58A-00240CB3F696}" type="datetimeFigureOut">
               <a:rPr lang="en-IL" smtClean="0"/>
-              <a:t>18/11/2021</a:t>
+              <a:t>11/21/2021</a:t>
             </a:fld>
             <a:endParaRPr lang="en-IL"/>
           </a:p>
@@ -4095,127 +4531,93 @@
         <p:spPr/>
         <p:txBody>
           <a:bodyPr>
-            <a:normAutofit fontScale="70000" lnSpcReduction="20000"/>
+            <a:normAutofit lnSpcReduction="10000"/>
           </a:bodyPr>
           <a:lstStyle/>
           <a:p>
-            <a:pPr marL="0" indent="0">
-              <a:buNone/>
-            </a:pPr>
+            <a:pPr algn="r" rtl="1"/>
+            <a:r>
+              <a:rPr lang="he-IL" dirty="0"/>
+              <a:t>למידת הנושא – קריאת המאמרים, הרצה והבנה של הקוד הממומש במאמר (</a:t>
+            </a:r>
+            <a:r>
+              <a:rPr lang="en-US" dirty="0" err="1"/>
+              <a:t>Matlab</a:t>
+            </a:r>
+            <a:r>
+              <a:rPr lang="he-IL" dirty="0"/>
+              <a:t>) – </a:t>
+            </a:r>
+            <a:r>
+              <a:rPr lang="he-IL" i="1"/>
+              <a:t>3-4 שבועות</a:t>
+            </a:r>
+            <a:endParaRPr lang="he-IL" i="1" dirty="0"/>
+          </a:p>
+          <a:p>
+            <a:pPr algn="r" rtl="1"/>
+            <a:r>
+              <a:rPr lang="he-IL"/>
+              <a:t>שיחה </a:t>
+            </a:r>
+            <a:r>
+              <a:rPr lang="he-IL" dirty="0"/>
+              <a:t>עם סיימון לצורך שאלות, רעיונות ותכנונים</a:t>
+            </a:r>
+          </a:p>
+          <a:p>
+            <a:pPr algn="r" rtl="1"/>
+            <a:r>
+              <a:rPr lang="he-IL" dirty="0"/>
+              <a:t>מימוש הקוד מהמאמר ב-</a:t>
+            </a:r>
             <a:r>
               <a:rPr lang="en-US" dirty="0"/>
-              <a:t>Read the article and discuss, Learn the code in </a:t>
-            </a:r>
-            <a:r>
-              <a:rPr lang="en-US" dirty="0" err="1"/>
-              <a:t>matlab</a:t>
-            </a:r>
-            <a:r>
-              <a:rPr lang="en-US" dirty="0"/>
-              <a:t>/</a:t>
-            </a:r>
-            <a:r>
-              <a:rPr lang="en-US" dirty="0" err="1"/>
-              <a:t>c++</a:t>
-            </a:r>
-            <a:endParaRPr lang="en-US" dirty="0"/>
-          </a:p>
-          <a:p>
-            <a:pPr marL="0" indent="0">
-              <a:buNone/>
-            </a:pPr>
-            <a:r>
-              <a:rPr lang="en-US" dirty="0"/>
-              <a:t>3 – 4 weeks</a:t>
-            </a:r>
-          </a:p>
-          <a:p>
-            <a:pPr marL="0" indent="0">
-              <a:buNone/>
-            </a:pPr>
-            <a:endParaRPr lang="en-US" dirty="0"/>
-          </a:p>
-          <a:p>
-            <a:pPr marL="0" indent="0">
-              <a:buNone/>
-            </a:pPr>
-            <a:r>
-              <a:rPr lang="en-US" dirty="0"/>
-              <a:t>Set a meeting with </a:t>
-            </a:r>
-            <a:r>
-              <a:rPr lang="en-US" dirty="0" err="1"/>
-              <a:t>simon</a:t>
-            </a:r>
-            <a:r>
-              <a:rPr lang="en-US" dirty="0"/>
-              <a:t> to ask questions</a:t>
-            </a:r>
-          </a:p>
-          <a:p>
-            <a:pPr marL="0" indent="0">
-              <a:buNone/>
-            </a:pPr>
-            <a:endParaRPr lang="en-US" dirty="0"/>
-          </a:p>
-          <a:p>
-            <a:pPr marL="0" indent="0">
-              <a:buNone/>
-            </a:pPr>
-            <a:r>
-              <a:rPr lang="en-US" dirty="0"/>
-              <a:t>Implement the code in python, readable, accessible, including the examples in the paper</a:t>
-            </a:r>
-          </a:p>
-          <a:p>
-            <a:pPr marL="0" indent="0">
-              <a:buNone/>
-            </a:pPr>
-            <a:r>
-              <a:rPr lang="en-US" dirty="0"/>
-              <a:t>Month</a:t>
-            </a:r>
-          </a:p>
-          <a:p>
-            <a:pPr marL="0" indent="0">
-              <a:buNone/>
-            </a:pPr>
-            <a:endParaRPr lang="en-US" dirty="0"/>
-          </a:p>
-          <a:p>
-            <a:pPr marL="0" indent="0">
-              <a:buNone/>
-            </a:pPr>
-            <a:r>
-              <a:rPr lang="en-US" dirty="0"/>
-              <a:t>Creating the idea of the neural network, learning relevant deep learning system for this task</a:t>
-            </a:r>
-          </a:p>
-          <a:p>
-            <a:pPr marL="0" indent="0">
-              <a:buNone/>
-            </a:pPr>
-            <a:r>
-              <a:rPr lang="en-US" dirty="0"/>
-              <a:t>couple of weeks</a:t>
-            </a:r>
-          </a:p>
-          <a:p>
-            <a:pPr marL="0" indent="0">
-              <a:buNone/>
-            </a:pPr>
-            <a:r>
-              <a:rPr lang="en-US" dirty="0"/>
-              <a:t>Implementation, testing, results</a:t>
-            </a:r>
-          </a:p>
-          <a:p>
-            <a:pPr marL="0" indent="0">
-              <a:buNone/>
-            </a:pPr>
-            <a:r>
-              <a:rPr lang="en-US" dirty="0"/>
-              <a:t>3 to 4 month</a:t>
+              <a:t>Python</a:t>
+            </a:r>
+            <a:r>
+              <a:rPr lang="he-IL" dirty="0"/>
+              <a:t> – </a:t>
+            </a:r>
+            <a:r>
+              <a:rPr lang="he-IL" i="1" dirty="0"/>
+              <a:t>כחודש</a:t>
+            </a:r>
+          </a:p>
+          <a:p>
+            <a:pPr lvl="1" algn="r" rtl="1"/>
+            <a:r>
+              <a:rPr lang="he-IL" dirty="0"/>
+              <a:t>מימוש קוד קריא, נגיש המכיל את הדוגמאות מהמאמר (צריך להראות כי בכל הדוגמאות מתקבלות תוצאות טובות)</a:t>
+            </a:r>
+          </a:p>
+          <a:p>
+            <a:pPr algn="r" rtl="1"/>
+            <a:r>
+              <a:rPr lang="he-IL" dirty="0"/>
+              <a:t>תכנון רשת נוירונים מתאימה לבעיה, למידת החומר הנדרש למימושה – </a:t>
+            </a:r>
+            <a:r>
+              <a:rPr lang="he-IL" i="1" dirty="0"/>
+              <a:t>מספר שבועות</a:t>
+            </a:r>
+          </a:p>
+          <a:p>
+            <a:pPr algn="r" rtl="1"/>
+            <a:r>
+              <a:rPr lang="he-IL" dirty="0"/>
+              <a:t>מימוש, בדיקה ותוצאות עד לתוצאה מספקת – </a:t>
+            </a:r>
+            <a:r>
+              <a:rPr lang="he-IL" i="1" dirty="0"/>
+              <a:t>3-4 חודשים (עד ההגשה)</a:t>
+            </a:r>
+          </a:p>
+          <a:p>
+            <a:pPr lvl="1" algn="r" rtl="1"/>
+            <a:r>
+              <a:rPr lang="he-IL" dirty="0"/>
+              <a:t>החלוקה של שלב זה תתבסס על התכנון שנבצע יחד עם סיימון</a:t>
             </a:r>
             <a:endParaRPr lang="en-IL" dirty="0"/>
           </a:p>
@@ -4527,4 +4929,299 @@
     </a:ext>
   </a:extLst>
 </a:theme>
+</file>
+
+<file path=ppt/theme/theme2.xml><?xml version="1.0" encoding="utf-8"?>
+<a:theme xmlns:a="http://schemas.openxmlformats.org/drawingml/2006/main" name="ערכת נושא Office">
+  <a:themeElements>
+    <a:clrScheme name="Office">
+      <a:dk1>
+        <a:sysClr val="windowText" lastClr="000000"/>
+      </a:dk1>
+      <a:lt1>
+        <a:sysClr val="window" lastClr="FFFFFF"/>
+      </a:lt1>
+      <a:dk2>
+        <a:srgbClr val="44546A"/>
+      </a:dk2>
+      <a:lt2>
+        <a:srgbClr val="E7E6E6"/>
+      </a:lt2>
+      <a:accent1>
+        <a:srgbClr val="4472C4"/>
+      </a:accent1>
+      <a:accent2>
+        <a:srgbClr val="ED7D31"/>
+      </a:accent2>
+      <a:accent3>
+        <a:srgbClr val="A5A5A5"/>
+      </a:accent3>
+      <a:accent4>
+        <a:srgbClr val="FFC000"/>
+      </a:accent4>
+      <a:accent5>
+        <a:srgbClr val="5B9BD5"/>
+      </a:accent5>
+      <a:accent6>
+        <a:srgbClr val="70AD47"/>
+      </a:accent6>
+      <a:hlink>
+        <a:srgbClr val="0563C1"/>
+      </a:hlink>
+      <a:folHlink>
+        <a:srgbClr val="954F72"/>
+      </a:folHlink>
+    </a:clrScheme>
+    <a:fontScheme name="Office">
+      <a:majorFont>
+        <a:latin typeface="Calibri Light" panose="020F0302020204030204"/>
+        <a:ea typeface=""/>
+        <a:cs typeface=""/>
+        <a:font script="Jpan" typeface="游ゴシック Light"/>
+        <a:font script="Hang" typeface="맑은 고딕"/>
+        <a:font script="Hans" typeface="等线 Light"/>
+        <a:font script="Hant" typeface="新細明體"/>
+        <a:font script="Arab" typeface="Times New Roman"/>
+        <a:font script="Hebr" typeface="Times New Roman"/>
+        <a:font script="Thai" typeface="Angsana New"/>
+        <a:font script="Ethi" typeface="Nyala"/>
+        <a:font script="Beng" typeface="Vrinda"/>
+        <a:font script="Gujr" typeface="Shruti"/>
+        <a:font script="Khmr" typeface="MoolBoran"/>
+        <a:font script="Knda" typeface="Tunga"/>
+        <a:font script="Guru" typeface="Raavi"/>
+        <a:font script="Cans" typeface="Euphemia"/>
+        <a:font script="Cher" typeface="Plantagenet Cherokee"/>
+        <a:font script="Yiii" typeface="Microsoft Yi Baiti"/>
+        <a:font script="Tibt" typeface="Microsoft Himalaya"/>
+        <a:font script="Thaa" typeface="MV Boli"/>
+        <a:font script="Deva" typeface="Mangal"/>
+        <a:font script="Telu" typeface="Gautami"/>
+        <a:font script="Taml" typeface="Latha"/>
+        <a:font script="Syrc" typeface="Estrangelo Edessa"/>
+        <a:font script="Orya" typeface="Kalinga"/>
+        <a:font script="Mlym" typeface="Kartika"/>
+        <a:font script="Laoo" typeface="DokChampa"/>
+        <a:font script="Sinh" typeface="Iskoola Pota"/>
+        <a:font script="Mong" typeface="Mongolian Baiti"/>
+        <a:font script="Viet" typeface="Times New Roman"/>
+        <a:font script="Uigh" typeface="Microsoft Uighur"/>
+        <a:font script="Geor" typeface="Sylfaen"/>
+        <a:font script="Armn" typeface="Arial"/>
+        <a:font script="Bugi" typeface="Leelawadee UI"/>
+        <a:font script="Bopo" typeface="Microsoft JhengHei"/>
+        <a:font script="Java" typeface="Javanese Text"/>
+        <a:font script="Lisu" typeface="Segoe UI"/>
+        <a:font script="Mymr" typeface="Myanmar Text"/>
+        <a:font script="Nkoo" typeface="Ebrima"/>
+        <a:font script="Olck" typeface="Nirmala UI"/>
+        <a:font script="Osma" typeface="Ebrima"/>
+        <a:font script="Phag" typeface="Phagspa"/>
+        <a:font script="Syrn" typeface="Estrangelo Edessa"/>
+        <a:font script="Syrj" typeface="Estrangelo Edessa"/>
+        <a:font script="Syre" typeface="Estrangelo Edessa"/>
+        <a:font script="Sora" typeface="Nirmala UI"/>
+        <a:font script="Tale" typeface="Microsoft Tai Le"/>
+        <a:font script="Talu" typeface="Microsoft New Tai Lue"/>
+        <a:font script="Tfng" typeface="Ebrima"/>
+      </a:majorFont>
+      <a:minorFont>
+        <a:latin typeface="Calibri" panose="020F0502020204030204"/>
+        <a:ea typeface=""/>
+        <a:cs typeface=""/>
+        <a:font script="Jpan" typeface="游ゴシック"/>
+        <a:font script="Hang" typeface="맑은 고딕"/>
+        <a:font script="Hans" typeface="等线"/>
+        <a:font script="Hant" typeface="新細明體"/>
+        <a:font script="Arab" typeface="Arial"/>
+        <a:font script="Hebr" typeface="Arial"/>
+        <a:font script="Thai" typeface="Cordia New"/>
+        <a:font script="Ethi" typeface="Nyala"/>
+        <a:font script="Beng" typeface="Vrinda"/>
+        <a:font script="Gujr" typeface="Shruti"/>
+        <a:font script="Khmr" typeface="DaunPenh"/>
+        <a:font script="Knda" typeface="Tunga"/>
+        <a:font script="Guru" typeface="Raavi"/>
+        <a:font script="Cans" typeface="Euphemia"/>
+        <a:font script="Cher" typeface="Plantagenet Cherokee"/>
+        <a:font script="Yiii" typeface="Microsoft Yi Baiti"/>
+        <a:font script="Tibt" typeface="Microsoft Himalaya"/>
+        <a:font script="Thaa" typeface="MV Boli"/>
+        <a:font script="Deva" typeface="Mangal"/>
+        <a:font script="Telu" typeface="Gautami"/>
+        <a:font script="Taml" typeface="Latha"/>
+        <a:font script="Syrc" typeface="Estrangelo Edessa"/>
+        <a:font script="Orya" typeface="Kalinga"/>
+        <a:font script="Mlym" typeface="Kartika"/>
+        <a:font script="Laoo" typeface="DokChampa"/>
+        <a:font script="Sinh" typeface="Iskoola Pota"/>
+        <a:font script="Mong" typeface="Mongolian Baiti"/>
+        <a:font script="Viet" typeface="Arial"/>
+        <a:font script="Uigh" typeface="Microsoft Uighur"/>
+        <a:font script="Geor" typeface="Sylfaen"/>
+        <a:font script="Armn" typeface="Arial"/>
+        <a:font script="Bugi" typeface="Leelawadee UI"/>
+        <a:font script="Bopo" typeface="Microsoft JhengHei"/>
+        <a:font script="Java" typeface="Javanese Text"/>
+        <a:font script="Lisu" typeface="Segoe UI"/>
+        <a:font script="Mymr" typeface="Myanmar Text"/>
+        <a:font script="Nkoo" typeface="Ebrima"/>
+        <a:font script="Olck" typeface="Nirmala UI"/>
+        <a:font script="Osma" typeface="Ebrima"/>
+        <a:font script="Phag" typeface="Phagspa"/>
+        <a:font script="Syrn" typeface="Estrangelo Edessa"/>
+        <a:font script="Syrj" typeface="Estrangelo Edessa"/>
+        <a:font script="Syre" typeface="Estrangelo Edessa"/>
+        <a:font script="Sora" typeface="Nirmala UI"/>
+        <a:font script="Tale" typeface="Microsoft Tai Le"/>
+        <a:font script="Talu" typeface="Microsoft New Tai Lue"/>
+        <a:font script="Tfng" typeface="Ebrima"/>
+      </a:minorFont>
+    </a:fontScheme>
+    <a:fmtScheme name="Office">
+      <a:fillStyleLst>
+        <a:solidFill>
+          <a:schemeClr val="phClr"/>
+        </a:solidFill>
+        <a:gradFill rotWithShape="1">
+          <a:gsLst>
+            <a:gs pos="0">
+              <a:schemeClr val="phClr">
+                <a:lumMod val="110000"/>
+                <a:satMod val="105000"/>
+                <a:tint val="67000"/>
+              </a:schemeClr>
+            </a:gs>
+            <a:gs pos="50000">
+              <a:schemeClr val="phClr">
+                <a:lumMod val="105000"/>
+                <a:satMod val="103000"/>
+                <a:tint val="73000"/>
+              </a:schemeClr>
+            </a:gs>
+            <a:gs pos="100000">
+              <a:schemeClr val="phClr">
+                <a:lumMod val="105000"/>
+                <a:satMod val="109000"/>
+                <a:tint val="81000"/>
+              </a:schemeClr>
+            </a:gs>
+          </a:gsLst>
+          <a:lin ang="5400000" scaled="0"/>
+        </a:gradFill>
+        <a:gradFill rotWithShape="1">
+          <a:gsLst>
+            <a:gs pos="0">
+              <a:schemeClr val="phClr">
+                <a:satMod val="103000"/>
+                <a:lumMod val="102000"/>
+                <a:tint val="94000"/>
+              </a:schemeClr>
+            </a:gs>
+            <a:gs pos="50000">
+              <a:schemeClr val="phClr">
+                <a:satMod val="110000"/>
+                <a:lumMod val="100000"/>
+                <a:shade val="100000"/>
+              </a:schemeClr>
+            </a:gs>
+            <a:gs pos="100000">
+              <a:schemeClr val="phClr">
+                <a:lumMod val="99000"/>
+                <a:satMod val="120000"/>
+                <a:shade val="78000"/>
+              </a:schemeClr>
+            </a:gs>
+          </a:gsLst>
+          <a:lin ang="5400000" scaled="0"/>
+        </a:gradFill>
+      </a:fillStyleLst>
+      <a:lnStyleLst>
+        <a:ln w="6350" cap="flat" cmpd="sng" algn="ctr">
+          <a:solidFill>
+            <a:schemeClr val="phClr"/>
+          </a:solidFill>
+          <a:prstDash val="solid"/>
+          <a:miter lim="800000"/>
+        </a:ln>
+        <a:ln w="12700" cap="flat" cmpd="sng" algn="ctr">
+          <a:solidFill>
+            <a:schemeClr val="phClr"/>
+          </a:solidFill>
+          <a:prstDash val="solid"/>
+          <a:miter lim="800000"/>
+        </a:ln>
+        <a:ln w="19050" cap="flat" cmpd="sng" algn="ctr">
+          <a:solidFill>
+            <a:schemeClr val="phClr"/>
+          </a:solidFill>
+          <a:prstDash val="solid"/>
+          <a:miter lim="800000"/>
+        </a:ln>
+      </a:lnStyleLst>
+      <a:effectStyleLst>
+        <a:effectStyle>
+          <a:effectLst/>
+        </a:effectStyle>
+        <a:effectStyle>
+          <a:effectLst/>
+        </a:effectStyle>
+        <a:effectStyle>
+          <a:effectLst>
+            <a:outerShdw blurRad="57150" dist="19050" dir="5400000" algn="ctr" rotWithShape="0">
+              <a:srgbClr val="000000">
+                <a:alpha val="63000"/>
+              </a:srgbClr>
+            </a:outerShdw>
+          </a:effectLst>
+        </a:effectStyle>
+      </a:effectStyleLst>
+      <a:bgFillStyleLst>
+        <a:solidFill>
+          <a:schemeClr val="phClr"/>
+        </a:solidFill>
+        <a:solidFill>
+          <a:schemeClr val="phClr">
+            <a:tint val="95000"/>
+            <a:satMod val="170000"/>
+          </a:schemeClr>
+        </a:solidFill>
+        <a:gradFill rotWithShape="1">
+          <a:gsLst>
+            <a:gs pos="0">
+              <a:schemeClr val="phClr">
+                <a:tint val="93000"/>
+                <a:satMod val="150000"/>
+                <a:shade val="98000"/>
+                <a:lumMod val="102000"/>
+              </a:schemeClr>
+            </a:gs>
+            <a:gs pos="50000">
+              <a:schemeClr val="phClr">
+                <a:tint val="98000"/>
+                <a:satMod val="130000"/>
+                <a:shade val="90000"/>
+                <a:lumMod val="103000"/>
+              </a:schemeClr>
+            </a:gs>
+            <a:gs pos="100000">
+              <a:schemeClr val="phClr">
+                <a:shade val="63000"/>
+                <a:satMod val="120000"/>
+              </a:schemeClr>
+            </a:gs>
+          </a:gsLst>
+          <a:lin ang="5400000" scaled="0"/>
+        </a:gradFill>
+      </a:bgFillStyleLst>
+    </a:fmtScheme>
+  </a:themeElements>
+  <a:objectDefaults/>
+  <a:extraClrSchemeLst/>
+  <a:extLst>
+    <a:ext uri="{05A4C25C-085E-4340-85A3-A5531E510DB2}">
+      <thm15:themeFamily xmlns:thm15="http://schemas.microsoft.com/office/thememl/2012/main" name="Office Theme" id="{62F939B6-93AF-4DB8-9C6B-D6C7DFDC589F}" vid="{4A3C46E8-61CC-4603-A589-7422A47A8E4A}"/>
+    </a:ext>
+  </a:extLst>
+</a:theme>
 </file>
--- a/מפגש ראשון.pptx
+++ b/מפגש ראשון.pptx
@@ -5,14 +5,15 @@
     <p:sldMasterId id="2147483648" r:id="rId1"/>
   </p:sldMasterIdLst>
   <p:notesMasterIdLst>
-    <p:notesMasterId r:id="rId7"/>
+    <p:notesMasterId r:id="rId8"/>
   </p:notesMasterIdLst>
   <p:sldIdLst>
     <p:sldId id="256" r:id="rId2"/>
     <p:sldId id="257" r:id="rId3"/>
     <p:sldId id="258" r:id="rId4"/>
     <p:sldId id="259" r:id="rId5"/>
-    <p:sldId id="260" r:id="rId6"/>
+    <p:sldId id="261" r:id="rId6"/>
+    <p:sldId id="260" r:id="rId7"/>
   </p:sldIdLst>
   <p:sldSz cx="12192000" cy="6858000"/>
   <p:notesSz cx="6858000" cy="9144000"/>
@@ -201,7 +202,7 @@
           <a:p>
             <a:fld id="{F736A0E9-A958-4F50-A4A0-BD5FED897F5E}" type="datetimeFigureOut">
               <a:rPr lang="he-IL" smtClean="0"/>
-              <a:t>י"ז/כסלו/תשפ"ב</a:t>
+              <a:t>כ'/כסלו/תשפ"ב</a:t>
             </a:fld>
             <a:endParaRPr lang="he-IL"/>
           </a:p>
@@ -533,7 +534,7 @@
           <a:p>
             <a:fld id="{287F270B-542C-490C-83DA-64787F219BA7}" type="slidenum">
               <a:rPr lang="he-IL" smtClean="0"/>
-              <a:t>5</a:t>
+              <a:t>6</a:t>
             </a:fld>
             <a:endParaRPr lang="he-IL"/>
           </a:p>
@@ -701,7 +702,7 @@
           <a:p>
             <a:fld id="{DAE672F7-6408-455E-B58A-00240CB3F696}" type="datetimeFigureOut">
               <a:rPr lang="en-IL" smtClean="0"/>
-              <a:t>11/21/2021</a:t>
+              <a:t>24/11/2021</a:t>
             </a:fld>
             <a:endParaRPr lang="en-IL"/>
           </a:p>
@@ -901,7 +902,7 @@
           <a:p>
             <a:fld id="{DAE672F7-6408-455E-B58A-00240CB3F696}" type="datetimeFigureOut">
               <a:rPr lang="en-IL" smtClean="0"/>
-              <a:t>11/21/2021</a:t>
+              <a:t>24/11/2021</a:t>
             </a:fld>
             <a:endParaRPr lang="en-IL"/>
           </a:p>
@@ -1111,7 +1112,7 @@
           <a:p>
             <a:fld id="{DAE672F7-6408-455E-B58A-00240CB3F696}" type="datetimeFigureOut">
               <a:rPr lang="en-IL" smtClean="0"/>
-              <a:t>11/21/2021</a:t>
+              <a:t>24/11/2021</a:t>
             </a:fld>
             <a:endParaRPr lang="en-IL"/>
           </a:p>
@@ -1311,7 +1312,7 @@
           <a:p>
             <a:fld id="{DAE672F7-6408-455E-B58A-00240CB3F696}" type="datetimeFigureOut">
               <a:rPr lang="en-IL" smtClean="0"/>
-              <a:t>11/21/2021</a:t>
+              <a:t>24/11/2021</a:t>
             </a:fld>
             <a:endParaRPr lang="en-IL"/>
           </a:p>
@@ -1587,7 +1588,7 @@
           <a:p>
             <a:fld id="{DAE672F7-6408-455E-B58A-00240CB3F696}" type="datetimeFigureOut">
               <a:rPr lang="en-IL" smtClean="0"/>
-              <a:t>11/21/2021</a:t>
+              <a:t>24/11/2021</a:t>
             </a:fld>
             <a:endParaRPr lang="en-IL"/>
           </a:p>
@@ -1855,7 +1856,7 @@
           <a:p>
             <a:fld id="{DAE672F7-6408-455E-B58A-00240CB3F696}" type="datetimeFigureOut">
               <a:rPr lang="en-IL" smtClean="0"/>
-              <a:t>11/21/2021</a:t>
+              <a:t>24/11/2021</a:t>
             </a:fld>
             <a:endParaRPr lang="en-IL"/>
           </a:p>
@@ -2270,7 +2271,7 @@
           <a:p>
             <a:fld id="{DAE672F7-6408-455E-B58A-00240CB3F696}" type="datetimeFigureOut">
               <a:rPr lang="en-IL" smtClean="0"/>
-              <a:t>11/21/2021</a:t>
+              <a:t>24/11/2021</a:t>
             </a:fld>
             <a:endParaRPr lang="en-IL"/>
           </a:p>
@@ -2412,7 +2413,7 @@
           <a:p>
             <a:fld id="{DAE672F7-6408-455E-B58A-00240CB3F696}" type="datetimeFigureOut">
               <a:rPr lang="en-IL" smtClean="0"/>
-              <a:t>11/21/2021</a:t>
+              <a:t>24/11/2021</a:t>
             </a:fld>
             <a:endParaRPr lang="en-IL"/>
           </a:p>
@@ -2525,7 +2526,7 @@
           <a:p>
             <a:fld id="{DAE672F7-6408-455E-B58A-00240CB3F696}" type="datetimeFigureOut">
               <a:rPr lang="en-IL" smtClean="0"/>
-              <a:t>11/21/2021</a:t>
+              <a:t>24/11/2021</a:t>
             </a:fld>
             <a:endParaRPr lang="en-IL"/>
           </a:p>
@@ -2838,7 +2839,7 @@
           <a:p>
             <a:fld id="{DAE672F7-6408-455E-B58A-00240CB3F696}" type="datetimeFigureOut">
               <a:rPr lang="en-IL" smtClean="0"/>
-              <a:t>11/21/2021</a:t>
+              <a:t>24/11/2021</a:t>
             </a:fld>
             <a:endParaRPr lang="en-IL"/>
           </a:p>
@@ -3127,7 +3128,7 @@
           <a:p>
             <a:fld id="{DAE672F7-6408-455E-B58A-00240CB3F696}" type="datetimeFigureOut">
               <a:rPr lang="en-IL" smtClean="0"/>
-              <a:t>11/21/2021</a:t>
+              <a:t>24/11/2021</a:t>
             </a:fld>
             <a:endParaRPr lang="en-IL"/>
           </a:p>
@@ -3370,7 +3371,7 @@
           <a:p>
             <a:fld id="{DAE672F7-6408-455E-B58A-00240CB3F696}" type="datetimeFigureOut">
               <a:rPr lang="en-IL" smtClean="0"/>
-              <a:t>11/21/2021</a:t>
+              <a:t>24/11/2021</a:t>
             </a:fld>
             <a:endParaRPr lang="en-IL"/>
           </a:p>
@@ -4466,6 +4467,259 @@
 </file>
 
 <file path=ppt/slides/slide5.xml><?xml version="1.0" encoding="utf-8"?>
+<p:sld xmlns:a="http://schemas.openxmlformats.org/drawingml/2006/main" xmlns:r="http://schemas.openxmlformats.org/officeDocument/2006/relationships" xmlns:p="http://schemas.openxmlformats.org/presentationml/2006/main">
+  <p:cSld>
+    <p:spTree>
+      <p:nvGrpSpPr>
+        <p:cNvPr id="1" name=""/>
+        <p:cNvGrpSpPr/>
+        <p:nvPr/>
+      </p:nvGrpSpPr>
+      <p:grpSpPr>
+        <a:xfrm>
+          <a:off x="0" y="0"/>
+          <a:ext cx="0" cy="0"/>
+          <a:chOff x="0" y="0"/>
+          <a:chExt cx="0" cy="0"/>
+        </a:xfrm>
+      </p:grpSpPr>
+      <p:sp>
+        <p:nvSpPr>
+          <p:cNvPr id="2" name="Title 1">
+            <a:extLst>
+              <a:ext uri="{FF2B5EF4-FFF2-40B4-BE49-F238E27FC236}">
+                <a16:creationId xmlns:a16="http://schemas.microsoft.com/office/drawing/2014/main" id="{9EDF0AE3-08AE-4AB0-A0A0-70EF6D5E6C50}"/>
+              </a:ext>
+            </a:extLst>
+          </p:cNvPr>
+          <p:cNvSpPr>
+            <a:spLocks noGrp="1"/>
+          </p:cNvSpPr>
+          <p:nvPr>
+            <p:ph type="title"/>
+          </p:nvPr>
+        </p:nvSpPr>
+        <p:spPr/>
+        <p:txBody>
+          <a:bodyPr/>
+          <a:lstStyle/>
+          <a:p>
+            <a:r>
+              <a:rPr lang="en-US" dirty="0" err="1"/>
+              <a:t>FAsT</a:t>
+            </a:r>
+            <a:r>
+              <a:rPr lang="en-US" dirty="0"/>
+              <a:t>-Match: Fast Affine Template Matching</a:t>
+            </a:r>
+            <a:endParaRPr lang="en-IL" dirty="0"/>
+          </a:p>
+        </p:txBody>
+      </p:sp>
+      <p:pic>
+        <p:nvPicPr>
+          <p:cNvPr id="1028" name="Picture 4">
+            <a:extLst>
+              <a:ext uri="{FF2B5EF4-FFF2-40B4-BE49-F238E27FC236}">
+                <a16:creationId xmlns:a16="http://schemas.microsoft.com/office/drawing/2014/main" id="{264EED8B-1B88-4CE4-87AC-3697F00411AF}"/>
+              </a:ext>
+            </a:extLst>
+          </p:cNvPr>
+          <p:cNvPicPr>
+            <a:picLocks noChangeAspect="1" noChangeArrowheads="1"/>
+          </p:cNvPicPr>
+          <p:nvPr/>
+        </p:nvPicPr>
+        <p:blipFill>
+          <a:blip r:embed="rId2">
+            <a:extLst>
+              <a:ext uri="{28A0092B-C50C-407E-A947-70E740481C1C}">
+                <a14:useLocalDpi xmlns:a14="http://schemas.microsoft.com/office/drawing/2010/main" val="0"/>
+              </a:ext>
+            </a:extLst>
+          </a:blip>
+          <a:srcRect/>
+          <a:stretch>
+            <a:fillRect/>
+          </a:stretch>
+        </p:blipFill>
+        <p:spPr bwMode="auto">
+          <a:xfrm>
+            <a:off x="7158600" y="2043117"/>
+            <a:ext cx="4195200" cy="1800000"/>
+          </a:xfrm>
+          <a:prstGeom prst="rect">
+            <a:avLst/>
+          </a:prstGeom>
+          <a:noFill/>
+          <a:extLst>
+            <a:ext uri="{909E8E84-426E-40DD-AFC4-6F175D3DCCD1}">
+              <a14:hiddenFill xmlns:a14="http://schemas.microsoft.com/office/drawing/2010/main">
+                <a:solidFill>
+                  <a:srgbClr val="FFFFFF"/>
+                </a:solidFill>
+              </a14:hiddenFill>
+            </a:ext>
+          </a:extLst>
+        </p:spPr>
+      </p:pic>
+      <p:pic>
+        <p:nvPicPr>
+          <p:cNvPr id="1030" name="Picture 6">
+            <a:extLst>
+              <a:ext uri="{FF2B5EF4-FFF2-40B4-BE49-F238E27FC236}">
+                <a16:creationId xmlns:a16="http://schemas.microsoft.com/office/drawing/2014/main" id="{FB23E237-60F2-4635-B523-A7AD14F4AB32}"/>
+              </a:ext>
+            </a:extLst>
+          </p:cNvPr>
+          <p:cNvPicPr>
+            <a:picLocks noChangeAspect="1" noChangeArrowheads="1"/>
+          </p:cNvPicPr>
+          <p:nvPr/>
+        </p:nvPicPr>
+        <p:blipFill>
+          <a:blip r:embed="rId3">
+            <a:extLst>
+              <a:ext uri="{28A0092B-C50C-407E-A947-70E740481C1C}">
+                <a14:useLocalDpi xmlns:a14="http://schemas.microsoft.com/office/drawing/2010/main" val="0"/>
+              </a:ext>
+            </a:extLst>
+          </a:blip>
+          <a:srcRect/>
+          <a:stretch>
+            <a:fillRect/>
+          </a:stretch>
+        </p:blipFill>
+        <p:spPr bwMode="auto">
+          <a:xfrm>
+            <a:off x="1140297" y="4195546"/>
+            <a:ext cx="4195200" cy="1800000"/>
+          </a:xfrm>
+          <a:prstGeom prst="rect">
+            <a:avLst/>
+          </a:prstGeom>
+          <a:noFill/>
+          <a:extLst>
+            <a:ext uri="{909E8E84-426E-40DD-AFC4-6F175D3DCCD1}">
+              <a14:hiddenFill xmlns:a14="http://schemas.microsoft.com/office/drawing/2010/main">
+                <a:solidFill>
+                  <a:srgbClr val="FFFFFF"/>
+                </a:solidFill>
+              </a14:hiddenFill>
+            </a:ext>
+          </a:extLst>
+        </p:spPr>
+      </p:pic>
+      <p:pic>
+        <p:nvPicPr>
+          <p:cNvPr id="1032" name="Picture 8">
+            <a:extLst>
+              <a:ext uri="{FF2B5EF4-FFF2-40B4-BE49-F238E27FC236}">
+                <a16:creationId xmlns:a16="http://schemas.microsoft.com/office/drawing/2014/main" id="{32989B0B-0085-4F64-B70A-06D61FAE4F22}"/>
+              </a:ext>
+            </a:extLst>
+          </p:cNvPr>
+          <p:cNvPicPr>
+            <a:picLocks noChangeAspect="1" noChangeArrowheads="1"/>
+          </p:cNvPicPr>
+          <p:nvPr/>
+        </p:nvPicPr>
+        <p:blipFill>
+          <a:blip r:embed="rId4">
+            <a:extLst>
+              <a:ext uri="{28A0092B-C50C-407E-A947-70E740481C1C}">
+                <a14:useLocalDpi xmlns:a14="http://schemas.microsoft.com/office/drawing/2010/main" val="0"/>
+              </a:ext>
+            </a:extLst>
+          </a:blip>
+          <a:srcRect/>
+          <a:stretch>
+            <a:fillRect/>
+          </a:stretch>
+        </p:blipFill>
+        <p:spPr bwMode="auto">
+          <a:xfrm>
+            <a:off x="7158600" y="4195546"/>
+            <a:ext cx="4195200" cy="1800000"/>
+          </a:xfrm>
+          <a:prstGeom prst="rect">
+            <a:avLst/>
+          </a:prstGeom>
+          <a:noFill/>
+          <a:extLst>
+            <a:ext uri="{909E8E84-426E-40DD-AFC4-6F175D3DCCD1}">
+              <a14:hiddenFill xmlns:a14="http://schemas.microsoft.com/office/drawing/2010/main">
+                <a:solidFill>
+                  <a:srgbClr val="FFFFFF"/>
+                </a:solidFill>
+              </a14:hiddenFill>
+            </a:ext>
+          </a:extLst>
+        </p:spPr>
+      </p:pic>
+      <p:pic>
+        <p:nvPicPr>
+          <p:cNvPr id="1026" name="Picture 2">
+            <a:extLst>
+              <a:ext uri="{FF2B5EF4-FFF2-40B4-BE49-F238E27FC236}">
+                <a16:creationId xmlns:a16="http://schemas.microsoft.com/office/drawing/2014/main" id="{F646BF89-44CD-4F61-8931-AAC32EF6F719}"/>
+              </a:ext>
+            </a:extLst>
+          </p:cNvPr>
+          <p:cNvPicPr>
+            <a:picLocks noGrp="1" noChangeAspect="1" noChangeArrowheads="1"/>
+          </p:cNvPicPr>
+          <p:nvPr>
+            <p:ph idx="1"/>
+          </p:nvPr>
+        </p:nvPicPr>
+        <p:blipFill>
+          <a:blip r:embed="rId5">
+            <a:extLst>
+              <a:ext uri="{28A0092B-C50C-407E-A947-70E740481C1C}">
+                <a14:useLocalDpi xmlns:a14="http://schemas.microsoft.com/office/drawing/2010/main" val="0"/>
+              </a:ext>
+            </a:extLst>
+          </a:blip>
+          <a:srcRect/>
+          <a:stretch>
+            <a:fillRect/>
+          </a:stretch>
+        </p:blipFill>
+        <p:spPr bwMode="auto">
+          <a:xfrm>
+            <a:off x="838200" y="2043117"/>
+            <a:ext cx="4497297" cy="1800000"/>
+          </a:xfrm>
+          <a:prstGeom prst="rect">
+            <a:avLst/>
+          </a:prstGeom>
+          <a:noFill/>
+          <a:extLst>
+            <a:ext uri="{909E8E84-426E-40DD-AFC4-6F175D3DCCD1}">
+              <a14:hiddenFill xmlns:a14="http://schemas.microsoft.com/office/drawing/2010/main">
+                <a:solidFill>
+                  <a:srgbClr val="FFFFFF"/>
+                </a:solidFill>
+              </a14:hiddenFill>
+            </a:ext>
+          </a:extLst>
+        </p:spPr>
+      </p:pic>
+    </p:spTree>
+    <p:extLst>
+      <p:ext uri="{BB962C8B-B14F-4D97-AF65-F5344CB8AC3E}">
+        <p14:creationId xmlns:p14="http://schemas.microsoft.com/office/powerpoint/2010/main" val="1955986334"/>
+      </p:ext>
+    </p:extLst>
+  </p:cSld>
+  <p:clrMapOvr>
+    <a:masterClrMapping/>
+  </p:clrMapOvr>
+</p:sld>
+</file>
+
+<file path=ppt/slides/slide6.xml><?xml version="1.0" encoding="utf-8"?>
 <p:sld xmlns:a="http://schemas.openxmlformats.org/drawingml/2006/main" xmlns:r="http://schemas.openxmlformats.org/officeDocument/2006/relationships" xmlns:p="http://schemas.openxmlformats.org/presentationml/2006/main">
   <p:cSld>
     <p:spTree>

--- a/מפגש ראשון.pptx
+++ b/מפגש ראשון.pptx
@@ -3840,9 +3840,16 @@
             <p:ph type="subTitle" idx="1"/>
           </p:nvPr>
         </p:nvSpPr>
-        <p:spPr/>
-        <p:txBody>
-          <a:bodyPr/>
+        <p:spPr>
+          <a:xfrm>
+            <a:off x="1524000" y="3602037"/>
+            <a:ext cx="9144000" cy="2133599"/>
+          </a:xfrm>
+        </p:spPr>
+        <p:txBody>
+          <a:bodyPr>
+            <a:normAutofit lnSpcReduction="10000"/>
+          </a:bodyPr>
           <a:lstStyle/>
           <a:p>
             <a:pPr algn="r" rtl="1"/>
@@ -3869,13 +3876,32 @@
               <a:t>קארין ספרי, 213883903, </a:t>
             </a:r>
             <a:r>
-              <a:rPr lang="en-US" b="0" i="0" dirty="0">
+              <a:rPr lang="en-US" dirty="0">
                 <a:solidFill>
                   <a:srgbClr val="222222"/>
                 </a:solidFill>
-                <a:effectLst/>
               </a:rPr>
               <a:t>karin.sifri@gmail.com</a:t>
+            </a:r>
+            <a:endParaRPr lang="en-US" b="0" i="0" dirty="0">
+              <a:solidFill>
+                <a:srgbClr val="222222"/>
+              </a:solidFill>
+              <a:effectLst/>
+            </a:endParaRPr>
+          </a:p>
+          <a:p>
+            <a:pPr algn="r" rtl="1"/>
+            <a:r>
+              <a:rPr lang="he-IL" dirty="0"/>
+              <a:t>מנחה:</a:t>
+            </a:r>
+          </a:p>
+          <a:p>
+            <a:pPr algn="r" rtl="1"/>
+            <a:r>
+              <a:rPr lang="he-IL"/>
+              <a:t>סיימון קורמן</a:t>
             </a:r>
             <a:endParaRPr lang="en-IL" dirty="0"/>
           </a:p>
